--- a/谢祖钧阶段四总结(1).pptx
+++ b/谢祖钧阶段四总结(1).pptx
@@ -5,10 +5,10 @@
     <p:sldMasterId id="2147483648" r:id="rId1"/>
   </p:sldMasterIdLst>
   <p:notesMasterIdLst>
-    <p:notesMasterId r:id="rId13"/>
+    <p:notesMasterId r:id="rId15"/>
   </p:notesMasterIdLst>
   <p:handoutMasterIdLst>
-    <p:handoutMasterId r:id="rId14"/>
+    <p:handoutMasterId r:id="rId16"/>
   </p:handoutMasterIdLst>
   <p:sldIdLst>
     <p:sldId id="299" r:id="rId3"/>
@@ -20,30 +20,32 @@
     <p:sldId id="780" r:id="rId9"/>
     <p:sldId id="773" r:id="rId10"/>
     <p:sldId id="775" r:id="rId11"/>
-    <p:sldId id="318" r:id="rId12"/>
+    <p:sldId id="781" r:id="rId12"/>
+    <p:sldId id="782" r:id="rId13"/>
+    <p:sldId id="318" r:id="rId14"/>
   </p:sldIdLst>
   <p:sldSz cx="12192000" cy="6858000"/>
   <p:notesSz cx="6858000" cy="9144000"/>
   <p:embeddedFontLst>
     <p:embeddedFont>
       <p:font typeface="微软雅黑" panose="020B0503020204020204" charset="-122"/>
-      <p:regular r:id="rId19"/>
+      <p:regular r:id="rId21"/>
     </p:embeddedFont>
     <p:embeddedFont>
-      <p:font typeface="思源黑体 CN" panose="020B0500000000000000" pitchFamily="34" charset="-122"/>
-      <p:bold r:id="rId20"/>
+      <p:font typeface="思源黑体 CN" panose="020B0800000000000000" pitchFamily="34" charset="-122"/>
+      <p:bold r:id="rId22"/>
     </p:embeddedFont>
     <p:embeddedFont>
       <p:font typeface="等线" panose="02010600030101010101" charset="-122"/>
-      <p:regular r:id="rId21"/>
+      <p:regular r:id="rId23"/>
     </p:embeddedFont>
     <p:embeddedFont>
       <p:font typeface="等线 Light" panose="02010600030101010101" charset="-122"/>
-      <p:regular r:id="rId22"/>
+      <p:regular r:id="rId24"/>
     </p:embeddedFont>
   </p:embeddedFontLst>
   <p:custDataLst>
-    <p:tags r:id="rId23"/>
+    <p:tags r:id="rId25"/>
   </p:custDataLst>
   <p:defaultTextStyle>
     <a:defPPr>
@@ -5644,7 +5646,7 @@
         <p:spPr>
           <a:xfrm>
             <a:off x="4637950" y="2457806"/>
-            <a:ext cx="3840480" cy="1568450"/>
+            <a:ext cx="3851910" cy="1568450"/>
           </a:xfrm>
           <a:prstGeom prst="rect">
             <a:avLst/>
@@ -5658,64 +5660,43 @@
           <a:lstStyle/>
           <a:p>
             <a:r>
-              <a:rPr lang="zh-CN" altLang="en-US" sz="3200" dirty="0">
-                <a:latin typeface="思源黑体 CN" panose="020B0500000000000000" pitchFamily="34" charset="-122"/>
-                <a:ea typeface="思源黑体 CN" panose="020B0500000000000000" pitchFamily="34" charset="-122"/>
+              <a:rPr lang="zh-CN" altLang="en-US" sz="3200" b="1" dirty="0">
+                <a:latin typeface="思源黑体 CN" panose="020B0800000000000000" pitchFamily="34" charset="-122"/>
+                <a:ea typeface="思源黑体 CN" panose="020B0800000000000000" pitchFamily="34" charset="-122"/>
               </a:rPr>
-              <a:t>开源操作系统</a:t>
-            </a:r>
-            <a:r>
-              <a:rPr lang="zh-CN" altLang="en-US" sz="3200" dirty="0">
-                <a:latin typeface="思源黑体 CN" panose="020B0500000000000000" pitchFamily="34" charset="-122"/>
-                <a:ea typeface="思源黑体 CN" panose="020B0500000000000000" pitchFamily="34" charset="-122"/>
-              </a:rPr>
-              <a:t>训练营</a:t>
-            </a:r>
-            <a:endParaRPr lang="zh-CN" altLang="en-US" sz="3200" dirty="0">
-              <a:latin typeface="思源黑体 CN" panose="020B0500000000000000" pitchFamily="34" charset="-122"/>
-              <a:ea typeface="思源黑体 CN" panose="020B0500000000000000" pitchFamily="34" charset="-122"/>
+              <a:t>开源操作系统训练营</a:t>
+            </a:r>
+            <a:endParaRPr lang="zh-CN" altLang="en-US" sz="3200" b="1" dirty="0">
+              <a:latin typeface="思源黑体 CN" panose="020B0800000000000000" pitchFamily="34" charset="-122"/>
+              <a:ea typeface="思源黑体 CN" panose="020B0800000000000000" pitchFamily="34" charset="-122"/>
             </a:endParaRPr>
           </a:p>
           <a:p>
             <a:pPr algn="ctr"/>
             <a:r>
-              <a:rPr lang="zh-CN" altLang="en-US" sz="3200" dirty="0">
-                <a:latin typeface="思源黑体 CN" panose="020B0500000000000000" pitchFamily="34" charset="-122"/>
-                <a:ea typeface="思源黑体 CN" panose="020B0500000000000000" pitchFamily="34" charset="-122"/>
+              <a:rPr lang="zh-CN" altLang="en-US" sz="3200" b="1" dirty="0">
+                <a:latin typeface="思源黑体 CN" panose="020B0800000000000000" pitchFamily="34" charset="-122"/>
+                <a:ea typeface="思源黑体 CN" panose="020B0800000000000000" pitchFamily="34" charset="-122"/>
               </a:rPr>
-              <a:t>阶段四总结报</a:t>
-            </a:r>
-            <a:r>
-              <a:rPr lang="zh-CN" altLang="en-US" sz="3200" dirty="0">
-                <a:latin typeface="思源黑体 CN" panose="020B0500000000000000" pitchFamily="34" charset="-122"/>
-                <a:ea typeface="思源黑体 CN" panose="020B0500000000000000" pitchFamily="34" charset="-122"/>
-              </a:rPr>
-              <a:t>告</a:t>
-            </a:r>
-            <a:endParaRPr lang="zh-CN" altLang="en-US" sz="3200" dirty="0">
-              <a:latin typeface="思源黑体 CN" panose="020B0500000000000000" pitchFamily="34" charset="-122"/>
-              <a:ea typeface="思源黑体 CN" panose="020B0500000000000000" pitchFamily="34" charset="-122"/>
+              <a:t>阶段四总结报告</a:t>
+            </a:r>
+            <a:endParaRPr lang="zh-CN" altLang="en-US" sz="3200" b="1" dirty="0">
+              <a:latin typeface="思源黑体 CN" panose="020B0800000000000000" pitchFamily="34" charset="-122"/>
+              <a:ea typeface="思源黑体 CN" panose="020B0800000000000000" pitchFamily="34" charset="-122"/>
             </a:endParaRPr>
           </a:p>
           <a:p>
             <a:pPr algn="ctr"/>
             <a:r>
-              <a:rPr lang="zh-CN" altLang="en-US" sz="3200" dirty="0">
-                <a:latin typeface="思源黑体 CN" panose="020B0500000000000000" pitchFamily="34" charset="-122"/>
-                <a:ea typeface="思源黑体 CN" panose="020B0500000000000000" pitchFamily="34" charset="-122"/>
+              <a:rPr lang="zh-CN" altLang="en-US" sz="3200" b="1" dirty="0">
+                <a:latin typeface="思源黑体 CN" panose="020B0800000000000000" pitchFamily="34" charset="-122"/>
+                <a:ea typeface="思源黑体 CN" panose="020B0800000000000000" pitchFamily="34" charset="-122"/>
               </a:rPr>
-              <a:t>汇报人：</a:t>
-            </a:r>
-            <a:r>
-              <a:rPr lang="zh-CN" altLang="en-US" sz="3200" dirty="0">
-                <a:latin typeface="思源黑体 CN" panose="020B0500000000000000" pitchFamily="34" charset="-122"/>
-                <a:ea typeface="思源黑体 CN" panose="020B0500000000000000" pitchFamily="34" charset="-122"/>
-              </a:rPr>
-              <a:t>谢祖钧</a:t>
-            </a:r>
-            <a:endParaRPr lang="zh-CN" altLang="en-US" sz="3200" dirty="0">
-              <a:latin typeface="思源黑体 CN" panose="020B0500000000000000" pitchFamily="34" charset="-122"/>
-              <a:ea typeface="思源黑体 CN" panose="020B0500000000000000" pitchFamily="34" charset="-122"/>
+              <a:t>汇报人：谢祖钧</a:t>
+            </a:r>
+            <a:endParaRPr lang="zh-CN" altLang="en-US" sz="3200" b="1" dirty="0">
+              <a:latin typeface="思源黑体 CN" panose="020B0800000000000000" pitchFamily="34" charset="-122"/>
+              <a:ea typeface="思源黑体 CN" panose="020B0800000000000000" pitchFamily="34" charset="-122"/>
             </a:endParaRPr>
           </a:p>
         </p:txBody>
@@ -5730,6 +5711,430 @@
 </file>
 
 <file path=ppt/slides/slide10.xml><?xml version="1.0" encoding="utf-8"?>
+<p:sld xmlns:a="http://schemas.openxmlformats.org/drawingml/2006/main" xmlns:r="http://schemas.openxmlformats.org/officeDocument/2006/relationships" xmlns:p="http://schemas.openxmlformats.org/presentationml/2006/main">
+  <p:cSld>
+    <p:spTree>
+      <p:nvGrpSpPr>
+        <p:cNvPr id="1" name=""/>
+        <p:cNvGrpSpPr/>
+        <p:nvPr/>
+      </p:nvGrpSpPr>
+      <p:grpSpPr>
+        <a:xfrm>
+          <a:off x="0" y="0"/>
+          <a:ext cx="0" cy="0"/>
+          <a:chOff x="0" y="0"/>
+          <a:chExt cx="0" cy="0"/>
+        </a:xfrm>
+      </p:grpSpPr>
+      <p:sp>
+        <p:nvSpPr>
+          <p:cNvPr id="8" name="文本框 7"/>
+          <p:cNvSpPr txBox="1"/>
+          <p:nvPr/>
+        </p:nvSpPr>
+        <p:spPr>
+          <a:xfrm>
+            <a:off x="1681480" y="590550"/>
+            <a:ext cx="8420100" cy="460375"/>
+          </a:xfrm>
+          <a:prstGeom prst="rect">
+            <a:avLst/>
+          </a:prstGeom>
+          <a:noFill/>
+        </p:spPr>
+        <p:txBody>
+          <a:bodyPr wrap="square" rtlCol="0">
+            <a:spAutoFit/>
+          </a:bodyPr>
+          <a:p>
+            <a:r>
+              <a:rPr lang="en-US" altLang="zh-CN" sz="2400" b="1">
+                <a:latin typeface="微软雅黑" panose="020B0503020204020204" charset="-122"/>
+                <a:ea typeface="微软雅黑" panose="020B0503020204020204" charset="-122"/>
+                <a:cs typeface="微软雅黑" panose="020B0503020204020204" charset="-122"/>
+              </a:rPr>
+              <a:t>3</a:t>
+            </a:r>
+            <a:r>
+              <a:rPr lang="zh-CN" altLang="en-US" sz="2400" b="1">
+                <a:latin typeface="微软雅黑" panose="020B0503020204020204" charset="-122"/>
+                <a:ea typeface="微软雅黑" panose="020B0503020204020204" charset="-122"/>
+                <a:cs typeface="微软雅黑" panose="020B0503020204020204" charset="-122"/>
+              </a:rPr>
+              <a:t>、下游一些其他</a:t>
+            </a:r>
+            <a:r>
+              <a:rPr lang="zh-CN" altLang="en-US" sz="2400" b="1">
+                <a:latin typeface="微软雅黑" panose="020B0503020204020204" charset="-122"/>
+                <a:ea typeface="微软雅黑" panose="020B0503020204020204" charset="-122"/>
+                <a:cs typeface="微软雅黑" panose="020B0503020204020204" charset="-122"/>
+              </a:rPr>
+              <a:t>合并</a:t>
+            </a:r>
+            <a:endParaRPr lang="zh-CN" altLang="en-US" sz="2400" b="1">
+              <a:latin typeface="微软雅黑" panose="020B0503020204020204" charset="-122"/>
+              <a:ea typeface="微软雅黑" panose="020B0503020204020204" charset="-122"/>
+              <a:cs typeface="微软雅黑" panose="020B0503020204020204" charset="-122"/>
+            </a:endParaRPr>
+          </a:p>
+        </p:txBody>
+      </p:sp>
+      <p:sp>
+        <p:nvSpPr>
+          <p:cNvPr id="6" name="文本框 5"/>
+          <p:cNvSpPr txBox="1"/>
+          <p:nvPr/>
+        </p:nvSpPr>
+        <p:spPr>
+          <a:xfrm>
+            <a:off x="260985" y="2188845"/>
+            <a:ext cx="2872105" cy="645160"/>
+          </a:xfrm>
+          <a:prstGeom prst="rect">
+            <a:avLst/>
+          </a:prstGeom>
+          <a:noFill/>
+        </p:spPr>
+        <p:txBody>
+          <a:bodyPr wrap="square" rtlCol="0">
+            <a:spAutoFit/>
+          </a:bodyPr>
+          <a:p>
+            <a:r>
+              <a:rPr lang="en-US" altLang="zh-CN">
+                <a:hlinkClick r:id="rId1" tooltip="" action="ppaction://hlinkfile"/>
+              </a:rPr>
+              <a:t>https://github.com/arceos-org/arceos/pull/267</a:t>
+            </a:r>
+            <a:endParaRPr lang="en-US" altLang="zh-CN"/>
+          </a:p>
+        </p:txBody>
+      </p:sp>
+      <p:sp>
+        <p:nvSpPr>
+          <p:cNvPr id="2" name="文本框 1"/>
+          <p:cNvSpPr txBox="1"/>
+          <p:nvPr/>
+        </p:nvSpPr>
+        <p:spPr>
+          <a:xfrm>
+            <a:off x="260985" y="2999740"/>
+            <a:ext cx="2571115" cy="2861310"/>
+          </a:xfrm>
+          <a:prstGeom prst="rect">
+            <a:avLst/>
+          </a:prstGeom>
+          <a:noFill/>
+        </p:spPr>
+        <p:txBody>
+          <a:bodyPr wrap="square" rtlCol="0">
+            <a:spAutoFit/>
+          </a:bodyPr>
+          <a:p>
+            <a:r>
+              <a:rPr lang="zh-CN" altLang="en-US"/>
+              <a:t>这个修改是针对原代码假设每次</a:t>
+            </a:r>
+            <a:r>
+              <a:rPr lang="en-US" altLang="zh-CN"/>
+              <a:t> sys_write </a:t>
+            </a:r>
+            <a:r>
+              <a:rPr lang="zh-CN" altLang="en-US"/>
+              <a:t>必然完全成功，错误会传播并继续尝试</a:t>
+            </a:r>
+            <a:r>
+              <a:rPr lang="zh-CN" altLang="en-US"/>
+              <a:t>写入，修改</a:t>
+            </a:r>
+            <a:r>
+              <a:rPr lang="zh-CN" altLang="en-US"/>
+              <a:t>后遇到错误</a:t>
+            </a:r>
+            <a:r>
+              <a:rPr lang="en-US" altLang="zh-CN"/>
+              <a:t>​​</a:t>
+            </a:r>
+            <a:r>
+              <a:rPr lang="zh-CN" altLang="en-US"/>
+              <a:t>立即中止</a:t>
+            </a:r>
+            <a:r>
+              <a:rPr lang="en-US" altLang="zh-CN"/>
+              <a:t>​​</a:t>
+            </a:r>
+            <a:r>
+              <a:rPr lang="zh-CN" altLang="en-US"/>
+              <a:t>并返回错误码</a:t>
+            </a:r>
+            <a:r>
+              <a:rPr lang="en-US" altLang="zh-CN"/>
+              <a:t> </a:t>
+            </a:r>
+            <a:r>
+              <a:rPr lang="zh-CN" altLang="en-US"/>
+              <a:t>遇到部分写入时</a:t>
+            </a:r>
+            <a:r>
+              <a:rPr lang="en-US" altLang="zh-CN"/>
+              <a:t>​​</a:t>
+            </a:r>
+            <a:r>
+              <a:rPr lang="zh-CN" altLang="en-US"/>
+              <a:t>保留已成功写入的数据量</a:t>
+            </a:r>
+            <a:r>
+              <a:rPr lang="en-US" altLang="zh-CN"/>
+              <a:t>​​</a:t>
+            </a:r>
+            <a:r>
+              <a:rPr lang="zh-CN" altLang="en-US"/>
+              <a:t>并返回</a:t>
+            </a:r>
+            <a:r>
+              <a:rPr lang="en-US" altLang="zh-CN"/>
+              <a:t> </a:t>
+            </a:r>
+            <a:r>
+              <a:rPr lang="zh-CN" altLang="en-US"/>
+              <a:t>最终返回值</a:t>
+            </a:r>
+            <a:r>
+              <a:rPr lang="en-US" altLang="zh-CN"/>
+              <a:t> ret </a:t>
+            </a:r>
+            <a:r>
+              <a:rPr lang="zh-CN" altLang="en-US"/>
+              <a:t>精确表示</a:t>
+            </a:r>
+            <a:r>
+              <a:rPr lang="en-US" altLang="zh-CN"/>
+              <a:t>​​</a:t>
+            </a:r>
+            <a:r>
+              <a:rPr lang="zh-CN" altLang="en-US"/>
+              <a:t>实际写入的总字节数</a:t>
+            </a:r>
+            <a:r>
+              <a:rPr lang="en-US" altLang="zh-CN"/>
+              <a:t>​</a:t>
+            </a:r>
+            <a:endParaRPr lang="en-US" altLang="zh-CN"/>
+          </a:p>
+        </p:txBody>
+      </p:sp>
+      <p:pic>
+        <p:nvPicPr>
+          <p:cNvPr id="3" name="图片 2"/>
+          <p:cNvPicPr>
+            <a:picLocks noChangeAspect="1"/>
+          </p:cNvPicPr>
+          <p:nvPr/>
+        </p:nvPicPr>
+        <p:blipFill>
+          <a:blip r:embed="rId2"/>
+          <a:stretch>
+            <a:fillRect/>
+          </a:stretch>
+        </p:blipFill>
+        <p:spPr>
+          <a:xfrm>
+            <a:off x="3613150" y="1465580"/>
+            <a:ext cx="7874000" cy="5073015"/>
+          </a:xfrm>
+          <a:prstGeom prst="rect">
+            <a:avLst/>
+          </a:prstGeom>
+        </p:spPr>
+      </p:pic>
+    </p:spTree>
+  </p:cSld>
+  <p:clrMapOvr>
+    <a:masterClrMapping/>
+  </p:clrMapOvr>
+</p:sld>
+</file>
+
+<file path=ppt/slides/slide11.xml><?xml version="1.0" encoding="utf-8"?>
+<p:sld xmlns:a="http://schemas.openxmlformats.org/drawingml/2006/main" xmlns:r="http://schemas.openxmlformats.org/officeDocument/2006/relationships" xmlns:p="http://schemas.openxmlformats.org/presentationml/2006/main">
+  <p:cSld>
+    <p:spTree>
+      <p:nvGrpSpPr>
+        <p:cNvPr id="1" name=""/>
+        <p:cNvGrpSpPr/>
+        <p:nvPr/>
+      </p:nvGrpSpPr>
+      <p:grpSpPr>
+        <a:xfrm>
+          <a:off x="0" y="0"/>
+          <a:ext cx="0" cy="0"/>
+          <a:chOff x="0" y="0"/>
+          <a:chExt cx="0" cy="0"/>
+        </a:xfrm>
+      </p:grpSpPr>
+      <p:sp>
+        <p:nvSpPr>
+          <p:cNvPr id="8" name="文本框 7"/>
+          <p:cNvSpPr txBox="1"/>
+          <p:nvPr/>
+        </p:nvSpPr>
+        <p:spPr>
+          <a:xfrm>
+            <a:off x="1681480" y="590550"/>
+            <a:ext cx="8420100" cy="460375"/>
+          </a:xfrm>
+          <a:prstGeom prst="rect">
+            <a:avLst/>
+          </a:prstGeom>
+          <a:noFill/>
+        </p:spPr>
+        <p:txBody>
+          <a:bodyPr wrap="square" rtlCol="0">
+            <a:spAutoFit/>
+          </a:bodyPr>
+          <a:p>
+            <a:r>
+              <a:rPr lang="en-US" altLang="zh-CN" sz="2400" b="1">
+                <a:latin typeface="微软雅黑" panose="020B0503020204020204" charset="-122"/>
+                <a:ea typeface="微软雅黑" panose="020B0503020204020204" charset="-122"/>
+                <a:cs typeface="微软雅黑" panose="020B0503020204020204" charset="-122"/>
+              </a:rPr>
+              <a:t>3</a:t>
+            </a:r>
+            <a:r>
+              <a:rPr lang="zh-CN" altLang="en-US" sz="2400" b="1">
+                <a:latin typeface="微软雅黑" panose="020B0503020204020204" charset="-122"/>
+                <a:ea typeface="微软雅黑" panose="020B0503020204020204" charset="-122"/>
+                <a:cs typeface="微软雅黑" panose="020B0503020204020204" charset="-122"/>
+              </a:rPr>
+              <a:t>、下游一些其他</a:t>
+            </a:r>
+            <a:r>
+              <a:rPr lang="zh-CN" altLang="en-US" sz="2400" b="1">
+                <a:latin typeface="微软雅黑" panose="020B0503020204020204" charset="-122"/>
+                <a:ea typeface="微软雅黑" panose="020B0503020204020204" charset="-122"/>
+                <a:cs typeface="微软雅黑" panose="020B0503020204020204" charset="-122"/>
+              </a:rPr>
+              <a:t>合并</a:t>
+            </a:r>
+            <a:endParaRPr lang="zh-CN" altLang="en-US" sz="2400" b="1">
+              <a:latin typeface="微软雅黑" panose="020B0503020204020204" charset="-122"/>
+              <a:ea typeface="微软雅黑" panose="020B0503020204020204" charset="-122"/>
+              <a:cs typeface="微软雅黑" panose="020B0503020204020204" charset="-122"/>
+            </a:endParaRPr>
+          </a:p>
+        </p:txBody>
+      </p:sp>
+      <p:sp>
+        <p:nvSpPr>
+          <p:cNvPr id="6" name="文本框 5"/>
+          <p:cNvSpPr txBox="1"/>
+          <p:nvPr/>
+        </p:nvSpPr>
+        <p:spPr>
+          <a:xfrm>
+            <a:off x="260985" y="2188845"/>
+            <a:ext cx="2872105" cy="645160"/>
+          </a:xfrm>
+          <a:prstGeom prst="rect">
+            <a:avLst/>
+          </a:prstGeom>
+          <a:noFill/>
+        </p:spPr>
+        <p:txBody>
+          <a:bodyPr wrap="square" rtlCol="0">
+            <a:spAutoFit/>
+          </a:bodyPr>
+          <a:p>
+            <a:r>
+              <a:rPr lang="en-US" altLang="zh-CN">
+                <a:hlinkClick r:id="rId1" tooltip="" action="ppaction://hlinkfile"/>
+              </a:rPr>
+              <a:t>https://github.com/arceos-org/arceos/pull/268</a:t>
+            </a:r>
+            <a:endParaRPr lang="en-US" altLang="zh-CN"/>
+          </a:p>
+        </p:txBody>
+      </p:sp>
+      <p:sp>
+        <p:nvSpPr>
+          <p:cNvPr id="2" name="文本框 1"/>
+          <p:cNvSpPr txBox="1"/>
+          <p:nvPr/>
+        </p:nvSpPr>
+        <p:spPr>
+          <a:xfrm>
+            <a:off x="260985" y="2999740"/>
+            <a:ext cx="2571115" cy="1198880"/>
+          </a:xfrm>
+          <a:prstGeom prst="rect">
+            <a:avLst/>
+          </a:prstGeom>
+          <a:noFill/>
+        </p:spPr>
+        <p:txBody>
+          <a:bodyPr wrap="square" rtlCol="0">
+            <a:spAutoFit/>
+          </a:bodyPr>
+          <a:p>
+            <a:r>
+              <a:rPr lang="zh-CN" altLang="en-US"/>
+              <a:t>主要是增加了一个一次性读取到缓冲区的功能，以及更新</a:t>
+            </a:r>
+            <a:r>
+              <a:rPr lang="en-US" altLang="zh-CN"/>
+              <a:t>axio</a:t>
+            </a:r>
+            <a:r>
+              <a:rPr lang="zh-CN" altLang="en-US"/>
+              <a:t>到</a:t>
+            </a:r>
+            <a:r>
+              <a:rPr lang="en-US" altLang="zh-CN"/>
+              <a:t>0.1.1</a:t>
+            </a:r>
+            <a:r>
+              <a:rPr lang="zh-CN" altLang="en-US"/>
+              <a:t>版本</a:t>
+            </a:r>
+            <a:endParaRPr lang="zh-CN" altLang="en-US"/>
+          </a:p>
+        </p:txBody>
+      </p:sp>
+      <p:pic>
+        <p:nvPicPr>
+          <p:cNvPr id="4" name="图片 3"/>
+          <p:cNvPicPr>
+            <a:picLocks noChangeAspect="1"/>
+          </p:cNvPicPr>
+          <p:nvPr/>
+        </p:nvPicPr>
+        <p:blipFill>
+          <a:blip r:embed="rId2"/>
+          <a:stretch>
+            <a:fillRect/>
+          </a:stretch>
+        </p:blipFill>
+        <p:spPr>
+          <a:xfrm>
+            <a:off x="3409315" y="1647190"/>
+            <a:ext cx="8611235" cy="3562985"/>
+          </a:xfrm>
+          <a:prstGeom prst="rect">
+            <a:avLst/>
+          </a:prstGeom>
+        </p:spPr>
+      </p:pic>
+    </p:spTree>
+  </p:cSld>
+  <p:clrMapOvr>
+    <a:masterClrMapping/>
+  </p:clrMapOvr>
+</p:sld>
+</file>
+
+<file path=ppt/slides/slide12.xml><?xml version="1.0" encoding="utf-8"?>
 <p:sld xmlns:a="http://schemas.openxmlformats.org/drawingml/2006/main" xmlns:r="http://schemas.openxmlformats.org/officeDocument/2006/relationships" xmlns:p="http://schemas.openxmlformats.org/presentationml/2006/main">
   <p:cSld>
     <p:bg>
@@ -6079,7 +6484,7 @@
                 <a:ea typeface="微软雅黑" panose="020B0503020204020204" charset="-122"/>
                 <a:cs typeface="微软雅黑" panose="020B0503020204020204" charset="-122"/>
               </a:rPr>
-              <a:t>、下游合并一处写入逻辑的</a:t>
+              <a:t>、下游一些其他</a:t>
             </a:r>
             <a:r>
               <a:rPr lang="zh-CN" altLang="en-US" sz="2400" b="1">
@@ -6087,7 +6492,7 @@
                 <a:ea typeface="微软雅黑" panose="020B0503020204020204" charset="-122"/>
                 <a:cs typeface="微软雅黑" panose="020B0503020204020204" charset="-122"/>
               </a:rPr>
-              <a:t>模块</a:t>
+              <a:t>合并</a:t>
             </a:r>
             <a:endParaRPr lang="zh-CN" altLang="en-US" sz="2400" b="1">
               <a:latin typeface="微软雅黑" panose="020B0503020204020204" charset="-122"/>
@@ -6206,7 +6611,7 @@
           <a:p>
             <a:r>
               <a:rPr lang="zh-CN" altLang="en-US">
-                <a:hlinkClick r:id="rId1" tooltip="" action="ppaction://hlinkfile"/>
+                <a:hlinkClick r:id="rId1" action="ppaction://hlinkfile"/>
               </a:rPr>
               <a:t>通过文档介绍模块实现的详细过程</a:t>
             </a:r>
@@ -7084,7 +7489,7 @@
         </p:nvSpPr>
         <p:spPr>
           <a:xfrm>
-            <a:off x="944245" y="2730500"/>
+            <a:off x="741680" y="1763395"/>
             <a:ext cx="3108325" cy="645160"/>
           </a:xfrm>
           <a:prstGeom prst="rect">
@@ -7099,7 +7504,7 @@
           <a:p>
             <a:r>
               <a:rPr lang="en-US" altLang="zh-CN">
-                <a:hlinkClick r:id="rId1" tooltip="" action="ppaction://hlinkfile"/>
+                <a:hlinkClick r:id="rId1" action="ppaction://hlinkfile"/>
               </a:rPr>
               <a:t>https://github.com/arceos-org/arceos/pull/262</a:t>
             </a:r>
@@ -7191,7 +7596,7 @@
                 <a:ea typeface="微软雅黑" panose="020B0503020204020204" charset="-122"/>
                 <a:cs typeface="微软雅黑" panose="020B0503020204020204" charset="-122"/>
               </a:rPr>
-              <a:t>、下游合并一处写入逻辑的</a:t>
+              <a:t>、下游一些其他</a:t>
             </a:r>
             <a:r>
               <a:rPr lang="zh-CN" altLang="en-US" sz="2400" b="1">
@@ -7199,7 +7604,7 @@
                 <a:ea typeface="微软雅黑" panose="020B0503020204020204" charset="-122"/>
                 <a:cs typeface="微软雅黑" panose="020B0503020204020204" charset="-122"/>
               </a:rPr>
-              <a:t>模块</a:t>
+              <a:t>合并</a:t>
             </a:r>
             <a:endParaRPr lang="zh-CN" altLang="en-US" sz="2400" b="1">
               <a:latin typeface="微软雅黑" panose="020B0503020204020204" charset="-122"/>
@@ -7257,11 +7662,106 @@
           <a:p>
             <a:r>
               <a:rPr lang="en-US" altLang="zh-CN">
-                <a:hlinkClick r:id="rId2" tooltip="" action="ppaction://hlinkfile"/>
+                <a:hlinkClick r:id="rId2" action="ppaction://hlinkfile"/>
               </a:rPr>
               <a:t>https://github.com/arceos-org/arceos/pull/260</a:t>
             </a:r>
             <a:endParaRPr lang="en-US" altLang="zh-CN"/>
+          </a:p>
+        </p:txBody>
+      </p:sp>
+      <p:sp>
+        <p:nvSpPr>
+          <p:cNvPr id="2" name="文本框 1"/>
+          <p:cNvSpPr txBox="1"/>
+          <p:nvPr/>
+        </p:nvSpPr>
+        <p:spPr>
+          <a:xfrm>
+            <a:off x="271145" y="3406140"/>
+            <a:ext cx="3173730" cy="2584450"/>
+          </a:xfrm>
+          <a:prstGeom prst="rect">
+            <a:avLst/>
+          </a:prstGeom>
+          <a:noFill/>
+        </p:spPr>
+        <p:txBody>
+          <a:bodyPr wrap="square" rtlCol="0">
+            <a:spAutoFit/>
+          </a:bodyPr>
+          <a:p>
+            <a:r>
+              <a:rPr lang="zh-CN" altLang="en-US"/>
+              <a:t>主要修改是将将原</a:t>
+            </a:r>
+            <a:r>
+              <a:rPr lang="en-US" altLang="zh-CN"/>
+              <a:t>sys_write</a:t>
+            </a:r>
+            <a:r>
+              <a:rPr lang="zh-CN" altLang="en-US"/>
+              <a:t>中的写</a:t>
+            </a:r>
+            <a:r>
+              <a:rPr lang="zh-CN" altLang="en-US"/>
+              <a:t>入逻辑拆解为新的函数</a:t>
+            </a:r>
+            <a:r>
+              <a:rPr lang="en-US" altLang="zh-CN"/>
+              <a:t>write_impl</a:t>
+            </a:r>
+            <a:r>
+              <a:rPr lang="zh-CN" altLang="en-US"/>
+              <a:t>，以提高代码的复用性。同时，会显式检查</a:t>
+            </a:r>
+            <a:r>
+              <a:rPr lang="en-US" altLang="zh-CN"/>
+              <a:t> buf null </a:t>
+            </a:r>
+            <a:r>
+              <a:rPr lang="zh-CN" altLang="en-US"/>
+              <a:t>指针以避免未定义的行为</a:t>
+            </a:r>
+            <a:endParaRPr lang="zh-CN" altLang="en-US"/>
+          </a:p>
+          <a:p>
+            <a:r>
+              <a:rPr lang="zh-CN" altLang="en-US"/>
+              <a:t>仅允许写入标准输出</a:t>
+            </a:r>
+            <a:r>
+              <a:rPr lang="en-US" altLang="zh-CN"/>
+              <a:t>(1)</a:t>
+            </a:r>
+            <a:r>
+              <a:rPr lang="zh-CN" altLang="en-US"/>
+              <a:t>和错误输出</a:t>
+            </a:r>
+            <a:r>
+              <a:rPr lang="en-US" altLang="zh-CN"/>
+              <a:t>(2)</a:t>
+            </a:r>
+            <a:r>
+              <a:rPr lang="zh-CN" altLang="en-US"/>
+              <a:t>，禁止向标准输入</a:t>
+            </a:r>
+            <a:r>
+              <a:rPr lang="en-US" altLang="zh-CN"/>
+              <a:t>(0)</a:t>
+            </a:r>
+            <a:r>
+              <a:rPr lang="zh-CN" altLang="en-US"/>
+              <a:t>写入数据（返回权限错误）</a:t>
+            </a:r>
+            <a:endParaRPr lang="zh-CN" altLang="en-US"/>
+          </a:p>
+          <a:p>
+            <a:r>
+              <a:rPr lang="zh-CN" altLang="en-US"/>
+              <a:t>其他描述符返回无效文件错误</a:t>
+            </a:r>
+            <a:endParaRPr lang="zh-CN" altLang="en-US"/>
           </a:p>
         </p:txBody>
       </p:sp>
